--- a/splashscreen_cryptostock.pptx
+++ b/splashscreen_cryptostock.pptx
@@ -104,6 +104,11 @@
       </a:defRPr>
     </a:lvl9pPr>
   </p:defaultTextStyle>
+  <p:extLst>
+    <p:ext uri="{EFAFB233-063F-42B5-8137-9DF3F51BA10A}">
+      <p15:sldGuideLst xmlns:p15="http://schemas.microsoft.com/office/powerpoint/2012/main"/>
+    </p:ext>
+  </p:extLst>
 </p:presentation>
 </file>
 
@@ -3643,6 +3648,43 @@
           </a:p>
         </p:txBody>
       </p:sp>
+      <p:sp>
+        <p:nvSpPr>
+          <p:cNvPr id="2" name="TextBox 1">
+            <a:extLst>
+              <a:ext uri="{FF2B5EF4-FFF2-40B4-BE49-F238E27FC236}">
+                <a16:creationId xmlns:a16="http://schemas.microsoft.com/office/drawing/2014/main" id="{0A8334E7-78C5-4D00-9DA6-CE74C8FEBEAD}"/>
+              </a:ext>
+            </a:extLst>
+          </p:cNvPr>
+          <p:cNvSpPr txBox="1"/>
+          <p:nvPr/>
+        </p:nvSpPr>
+        <p:spPr>
+          <a:xfrm>
+            <a:off x="3122065" y="6462111"/>
+            <a:ext cx="6084606" cy="338554"/>
+          </a:xfrm>
+          <a:prstGeom prst="rect">
+            <a:avLst/>
+          </a:prstGeom>
+          <a:noFill/>
+        </p:spPr>
+        <p:txBody>
+          <a:bodyPr wrap="square" rtlCol="0">
+            <a:spAutoFit/>
+          </a:bodyPr>
+          <a:lstStyle/>
+          <a:p>
+            <a:r>
+              <a:rPr lang="en-US" sz="1600" dirty="0">
+                <a:latin typeface="Cooper Black" panose="0208090404030B020404" pitchFamily="18" charset="0"/>
+              </a:rPr>
+              <a:t>https://github.com/ksu-hmi/cryptostockportfolio</a:t>
+            </a:r>
+          </a:p>
+        </p:txBody>
+      </p:sp>
     </p:spTree>
     <p:extLst>
       <p:ext uri="{BB962C8B-B14F-4D97-AF65-F5344CB8AC3E}">

--- a/splashscreen_cryptostock.pptx
+++ b/splashscreen_cryptostock.pptx
@@ -3393,7 +3393,7 @@
         </p:nvSpPr>
         <p:spPr>
           <a:xfrm>
-            <a:off x="743339" y="973709"/>
+            <a:off x="1411056" y="973709"/>
             <a:ext cx="11087762" cy="338554"/>
           </a:xfrm>
           <a:prstGeom prst="rect">
@@ -3414,7 +3414,7 @@
                 </a:solidFill>
                 <a:latin typeface="Cooper Black" panose="0208090404030B020404" pitchFamily="18" charset="0"/>
               </a:rPr>
-              <a:t>Allow users to build and display custom crypto/stock portfolios and display real time price updates!</a:t>
+              <a:t>Allow users to build custom crypto/stock portfolios and display real time price updates!</a:t>
             </a:r>
           </a:p>
         </p:txBody>
@@ -3662,7 +3662,7 @@
         </p:nvSpPr>
         <p:spPr>
           <a:xfrm>
-            <a:off x="3122065" y="6462111"/>
+            <a:off x="3400741" y="6462111"/>
             <a:ext cx="6084606" cy="338554"/>
           </a:xfrm>
           <a:prstGeom prst="rect">
